--- a/LBC Electronic Reformating.pptx
+++ b/LBC Electronic Reformating.pptx
@@ -7,16 +7,18 @@
   <p:sldIdLst>
     <p:sldId id="256" r:id="rId2"/>
     <p:sldId id="257" r:id="rId3"/>
-    <p:sldId id="258" r:id="rId4"/>
-    <p:sldId id="259" r:id="rId5"/>
-    <p:sldId id="260" r:id="rId6"/>
-    <p:sldId id="261" r:id="rId7"/>
-    <p:sldId id="262" r:id="rId8"/>
-    <p:sldId id="263" r:id="rId9"/>
-    <p:sldId id="264" r:id="rId10"/>
-    <p:sldId id="265" r:id="rId11"/>
-    <p:sldId id="266" r:id="rId12"/>
-    <p:sldId id="267" r:id="rId13"/>
+    <p:sldId id="269" r:id="rId4"/>
+    <p:sldId id="258" r:id="rId5"/>
+    <p:sldId id="259" r:id="rId6"/>
+    <p:sldId id="260" r:id="rId7"/>
+    <p:sldId id="261" r:id="rId8"/>
+    <p:sldId id="262" r:id="rId9"/>
+    <p:sldId id="263" r:id="rId10"/>
+    <p:sldId id="270" r:id="rId11"/>
+    <p:sldId id="264" r:id="rId12"/>
+    <p:sldId id="265" r:id="rId13"/>
+    <p:sldId id="266" r:id="rId14"/>
+    <p:sldId id="267" r:id="rId15"/>
   </p:sldIdLst>
   <p:sldSz cx="9144000" cy="6858000" type="screen4x3"/>
   <p:notesSz cx="6858000" cy="9144000"/>
@@ -229,7 +231,7 @@
           <a:p>
             <a:fld id="{329D9936-6870-4454-949D-B678A295A97F}" type="datetimeFigureOut">
               <a:rPr lang="en-US" smtClean="0"/>
-              <a:t>10/26/2017</a:t>
+              <a:t>11/4/2017</a:t>
             </a:fld>
             <a:endParaRPr lang="en-US"/>
           </a:p>
@@ -455,7 +457,7 @@
           <a:p>
             <a:fld id="{329D9936-6870-4454-949D-B678A295A97F}" type="datetimeFigureOut">
               <a:rPr lang="en-US" smtClean="0"/>
-              <a:t>10/26/2017</a:t>
+              <a:t>11/4/2017</a:t>
             </a:fld>
             <a:endParaRPr lang="en-US"/>
           </a:p>
@@ -630,7 +632,7 @@
           <a:p>
             <a:fld id="{329D9936-6870-4454-949D-B678A295A97F}" type="datetimeFigureOut">
               <a:rPr lang="en-US" smtClean="0"/>
-              <a:t>10/26/2017</a:t>
+              <a:t>11/4/2017</a:t>
             </a:fld>
             <a:endParaRPr lang="en-US"/>
           </a:p>
@@ -795,7 +797,7 @@
           <a:p>
             <a:fld id="{329D9936-6870-4454-949D-B678A295A97F}" type="datetimeFigureOut">
               <a:rPr lang="en-US" smtClean="0"/>
-              <a:t>10/26/2017</a:t>
+              <a:t>11/4/2017</a:t>
             </a:fld>
             <a:endParaRPr lang="en-US"/>
           </a:p>
@@ -1039,7 +1041,7 @@
           <a:p>
             <a:fld id="{329D9936-6870-4454-949D-B678A295A97F}" type="datetimeFigureOut">
               <a:rPr lang="en-US" smtClean="0"/>
-              <a:t>10/26/2017</a:t>
+              <a:t>11/4/2017</a:t>
             </a:fld>
             <a:endParaRPr lang="en-US"/>
           </a:p>
@@ -1303,7 +1305,7 @@
           <a:p>
             <a:fld id="{329D9936-6870-4454-949D-B678A295A97F}" type="datetimeFigureOut">
               <a:rPr lang="en-US" smtClean="0"/>
-              <a:t>10/26/2017</a:t>
+              <a:t>11/4/2017</a:t>
             </a:fld>
             <a:endParaRPr lang="en-US"/>
           </a:p>
@@ -1677,7 +1679,7 @@
           <a:p>
             <a:fld id="{329D9936-6870-4454-949D-B678A295A97F}" type="datetimeFigureOut">
               <a:rPr lang="en-US" smtClean="0"/>
-              <a:t>10/26/2017</a:t>
+              <a:t>11/4/2017</a:t>
             </a:fld>
             <a:endParaRPr lang="en-US"/>
           </a:p>
@@ -1790,7 +1792,7 @@
           <a:p>
             <a:fld id="{329D9936-6870-4454-949D-B678A295A97F}" type="datetimeFigureOut">
               <a:rPr lang="en-US" smtClean="0"/>
-              <a:t>10/26/2017</a:t>
+              <a:t>11/4/2017</a:t>
             </a:fld>
             <a:endParaRPr lang="en-US"/>
           </a:p>
@@ -1880,7 +1882,7 @@
           <a:p>
             <a:fld id="{329D9936-6870-4454-949D-B678A295A97F}" type="datetimeFigureOut">
               <a:rPr lang="en-US" smtClean="0"/>
-              <a:t>10/26/2017</a:t>
+              <a:t>11/4/2017</a:t>
             </a:fld>
             <a:endParaRPr lang="en-US"/>
           </a:p>
@@ -2138,7 +2140,7 @@
           <a:p>
             <a:fld id="{329D9936-6870-4454-949D-B678A295A97F}" type="datetimeFigureOut">
               <a:rPr lang="en-US" smtClean="0"/>
-              <a:t>10/26/2017</a:t>
+              <a:t>11/4/2017</a:t>
             </a:fld>
             <a:endParaRPr lang="en-US"/>
           </a:p>
@@ -2402,7 +2404,7 @@
           <a:p>
             <a:fld id="{329D9936-6870-4454-949D-B678A295A97F}" type="datetimeFigureOut">
               <a:rPr lang="en-US" smtClean="0"/>
-              <a:t>10/26/2017</a:t>
+              <a:t>11/4/2017</a:t>
             </a:fld>
             <a:endParaRPr lang="en-US"/>
           </a:p>
@@ -2619,7 +2621,7 @@
           <a:p>
             <a:fld id="{329D9936-6870-4454-949D-B678A295A97F}" type="datetimeFigureOut">
               <a:rPr lang="en-US" smtClean="0"/>
-              <a:t>10/26/2017</a:t>
+              <a:t>11/4/2017</a:t>
             </a:fld>
             <a:endParaRPr lang="en-US"/>
           </a:p>
@@ -3066,11 +3068,19 @@
           <a:p>
             <a:r>
               <a:rPr lang="en-US" dirty="0" smtClean="0"/>
-              <a:t>LBC Electronic </a:t>
-            </a:r>
-            <a:r>
-              <a:rPr lang="en-US" dirty="0" err="1" smtClean="0"/>
-              <a:t>Reformating</a:t>
+              <a:t>ARBCA</a:t>
+            </a:r>
+            <a:r>
+              <a:rPr lang="en-US" dirty="0" smtClean="0"/>
+              <a:t> </a:t>
+            </a:r>
+            <a:r>
+              <a:rPr lang="en-US" dirty="0" smtClean="0"/>
+              <a:t>Electronic </a:t>
+            </a:r>
+            <a:r>
+              <a:rPr lang="en-US" dirty="0" smtClean="0"/>
+              <a:t>CONTENT</a:t>
             </a:r>
             <a:endParaRPr lang="en-US" dirty="0"/>
           </a:p>
@@ -3142,7 +3152,7 @@
           <a:p>
             <a:r>
               <a:rPr lang="en-US" dirty="0" smtClean="0"/>
-              <a:t>Next Steps</a:t>
+              <a:t>Web Hosting</a:t>
             </a:r>
             <a:endParaRPr lang="en-US" dirty="0"/>
           </a:p>
@@ -3160,79 +3170,96 @@
         </p:nvSpPr>
         <p:spPr/>
         <p:txBody>
-          <a:bodyPr/>
-          <a:lstStyle/>
-          <a:p>
-            <a:r>
-              <a:rPr lang="en-US" dirty="0" smtClean="0"/>
-              <a:t>Coordinate broader proof reading effort</a:t>
+          <a:bodyPr>
+            <a:normAutofit/>
+          </a:bodyPr>
+          <a:lstStyle/>
+          <a:p>
+            <a:r>
+              <a:rPr lang="en-US" dirty="0" smtClean="0"/>
+              <a:t>Web Hosting</a:t>
             </a:r>
           </a:p>
           <a:p>
             <a:pPr lvl="1"/>
             <a:r>
               <a:rPr lang="en-US" dirty="0" smtClean="0"/>
-              <a:t>Perhaps an LBC “small group” </a:t>
-            </a:r>
-          </a:p>
-          <a:p>
-            <a:r>
-              <a:rPr lang="en-US" dirty="0" smtClean="0"/>
-              <a:t>Reach out to potential partners</a:t>
-            </a:r>
+              <a:t>Self-hosted Websites</a:t>
+            </a:r>
+            <a:endParaRPr lang="en-US" dirty="0" smtClean="0"/>
           </a:p>
           <a:p>
             <a:pPr lvl="1"/>
             <a:r>
               <a:rPr lang="en-US" dirty="0" smtClean="0"/>
-              <a:t>SGCB</a:t>
+              <a:t>Self-hosted </a:t>
+            </a:r>
+            <a:r>
+              <a:rPr lang="en-US" dirty="0" err="1" smtClean="0"/>
+              <a:t>Wordpress</a:t>
+            </a:r>
+            <a:r>
+              <a:rPr lang="en-US" dirty="0" smtClean="0"/>
+              <a:t> blog infrastructure</a:t>
             </a:r>
           </a:p>
           <a:p>
             <a:pPr lvl="1"/>
             <a:r>
               <a:rPr lang="en-US" dirty="0" smtClean="0"/>
-              <a:t>ARBCA Webmaster</a:t>
+              <a:t>Self-hosted Social </a:t>
+            </a:r>
+            <a:r>
+              <a:rPr lang="en-US" dirty="0"/>
+              <a:t>M</a:t>
+            </a:r>
+            <a:r>
+              <a:rPr lang="en-US" dirty="0" smtClean="0"/>
+              <a:t>edia</a:t>
             </a:r>
           </a:p>
           <a:p>
             <a:pPr lvl="1"/>
             <a:r>
               <a:rPr lang="en-US" dirty="0" smtClean="0"/>
-              <a:t>Missionary Organizations</a:t>
-            </a:r>
-          </a:p>
-          <a:p>
-            <a:pPr lvl="1"/>
+              <a:t>Self-hosted Source Control</a:t>
+            </a:r>
+            <a:endParaRPr lang="en-US" dirty="0"/>
+          </a:p>
+          <a:p>
+            <a:r>
+              <a:rPr lang="en-US" dirty="0" smtClean="0"/>
+              <a:t>Open Source Servers</a:t>
+            </a:r>
+          </a:p>
+          <a:p>
+            <a:r>
+              <a:rPr lang="en-US" dirty="0" smtClean="0"/>
+              <a:t>Open Source Software</a:t>
+            </a:r>
+          </a:p>
+          <a:p>
+            <a:r>
+              <a:rPr lang="en-US" dirty="0" smtClean="0"/>
+              <a:t>Microsoft Hyper-V Server (Windows 10)</a:t>
+            </a:r>
+          </a:p>
+          <a:p>
             <a:r>
               <a:rPr lang="en-US" dirty="0" err="1" smtClean="0"/>
-              <a:t>Faithlife</a:t>
-            </a:r>
-            <a:r>
-              <a:rPr lang="en-US" dirty="0" smtClean="0"/>
-              <a:t> (Logos Bible Software)</a:t>
-            </a:r>
-          </a:p>
-          <a:p>
-            <a:r>
-              <a:rPr lang="en-US" dirty="0" smtClean="0"/>
-              <a:t>Consider Donating Everything</a:t>
-            </a:r>
-          </a:p>
-          <a:p>
-            <a:pPr lvl="1"/>
-            <a:r>
-              <a:rPr lang="en-US" dirty="0" smtClean="0"/>
-              <a:t>To Promote ARBCA </a:t>
-            </a:r>
-            <a:endParaRPr lang="en-US" dirty="0"/>
+              <a:t>Webmin</a:t>
+            </a:r>
+            <a:r>
+              <a:rPr lang="en-US" dirty="0" smtClean="0"/>
+              <a:t> machine management</a:t>
+            </a:r>
           </a:p>
         </p:txBody>
       </p:sp>
     </p:spTree>
     <p:extLst>
       <p:ext uri="{BB962C8B-B14F-4D97-AF65-F5344CB8AC3E}">
-        <p14:creationId xmlns:p14="http://schemas.microsoft.com/office/powerpoint/2010/main" val="757689149"/>
+        <p14:creationId xmlns:p14="http://schemas.microsoft.com/office/powerpoint/2010/main" val="3197305272"/>
       </p:ext>
     </p:extLst>
   </p:cSld>
@@ -3276,6 +3303,295 @@
           <a:p>
             <a:r>
               <a:rPr lang="en-US" dirty="0" smtClean="0"/>
+              <a:t>Monetization</a:t>
+            </a:r>
+            <a:endParaRPr lang="en-US" dirty="0"/>
+          </a:p>
+        </p:txBody>
+      </p:sp>
+      <p:sp>
+        <p:nvSpPr>
+          <p:cNvPr id="3" name="Content Placeholder 2"/>
+          <p:cNvSpPr>
+            <a:spLocks noGrp="1"/>
+          </p:cNvSpPr>
+          <p:nvPr>
+            <p:ph idx="1"/>
+          </p:nvPr>
+        </p:nvSpPr>
+        <p:spPr/>
+        <p:txBody>
+          <a:bodyPr/>
+          <a:lstStyle/>
+          <a:p>
+            <a:r>
+              <a:rPr lang="en-US" dirty="0" smtClean="0"/>
+              <a:t>Logos does not have a LBC</a:t>
+            </a:r>
+          </a:p>
+          <a:p>
+            <a:pPr lvl="1"/>
+            <a:r>
+              <a:rPr lang="en-US" dirty="0" smtClean="0"/>
+              <a:t>They purchase rights to publish contents one time</a:t>
+            </a:r>
+          </a:p>
+          <a:p>
+            <a:r>
+              <a:rPr lang="en-US" dirty="0" err="1" smtClean="0"/>
+              <a:t>Bibleworks</a:t>
+            </a:r>
+            <a:r>
+              <a:rPr lang="en-US" dirty="0" smtClean="0"/>
+              <a:t> allows you to sell custom modules</a:t>
+            </a:r>
+          </a:p>
+          <a:p>
+            <a:pPr lvl="1"/>
+            <a:r>
+              <a:rPr lang="en-US" dirty="0" smtClean="0"/>
+              <a:t>No </a:t>
+            </a:r>
+            <a:r>
+              <a:rPr lang="en-US" dirty="0" err="1" smtClean="0"/>
+              <a:t>licence</a:t>
+            </a:r>
+            <a:r>
+              <a:rPr lang="en-US" dirty="0" smtClean="0"/>
+              <a:t> required, could put on Solid Ground </a:t>
+            </a:r>
+            <a:r>
+              <a:rPr lang="en-US" dirty="0" err="1" smtClean="0"/>
+              <a:t>e.g</a:t>
+            </a:r>
+            <a:endParaRPr lang="en-US" dirty="0" smtClean="0"/>
+          </a:p>
+          <a:p>
+            <a:pPr lvl="1"/>
+            <a:r>
+              <a:rPr lang="en-US" dirty="0" smtClean="0"/>
+              <a:t>Or could donate it to </a:t>
+            </a:r>
+            <a:r>
+              <a:rPr lang="en-US" dirty="0" err="1" smtClean="0"/>
+              <a:t>Bibleworks</a:t>
+            </a:r>
+            <a:r>
+              <a:rPr lang="en-US" dirty="0" smtClean="0"/>
+              <a:t> community</a:t>
+            </a:r>
+          </a:p>
+          <a:p>
+            <a:r>
+              <a:rPr lang="en-US" dirty="0" smtClean="0"/>
+              <a:t>Sell Full Verse Version of the LBC</a:t>
+            </a:r>
+          </a:p>
+          <a:p>
+            <a:pPr lvl="1"/>
+            <a:r>
+              <a:rPr lang="en-US" dirty="0" smtClean="0"/>
+              <a:t>Choice of KJV, ASV for English</a:t>
+            </a:r>
+          </a:p>
+          <a:p>
+            <a:pPr lvl="1"/>
+            <a:r>
+              <a:rPr lang="en-US" dirty="0" smtClean="0"/>
+              <a:t>Greek, Hebrew, Latin “Scholar’s Edition” pending copyright concerns</a:t>
+            </a:r>
+          </a:p>
+          <a:p>
+            <a:pPr lvl="1"/>
+            <a:r>
+              <a:rPr lang="en-US" dirty="0" smtClean="0"/>
+              <a:t>Contribute to localization efforts in foreign countries</a:t>
+            </a:r>
+            <a:endParaRPr lang="en-US" dirty="0"/>
+          </a:p>
+        </p:txBody>
+      </p:sp>
+    </p:spTree>
+    <p:extLst>
+      <p:ext uri="{BB962C8B-B14F-4D97-AF65-F5344CB8AC3E}">
+        <p14:creationId xmlns:p14="http://schemas.microsoft.com/office/powerpoint/2010/main" val="902848757"/>
+      </p:ext>
+    </p:extLst>
+  </p:cSld>
+  <p:clrMapOvr>
+    <a:masterClrMapping/>
+  </p:clrMapOvr>
+</p:sld>
+</file>
+
+<file path=ppt/slides/slide12.xml><?xml version="1.0" encoding="utf-8"?>
+<p:sld xmlns:a="http://schemas.openxmlformats.org/drawingml/2006/main" xmlns:r="http://schemas.openxmlformats.org/officeDocument/2006/relationships" xmlns:p="http://schemas.openxmlformats.org/presentationml/2006/main">
+  <p:cSld>
+    <p:spTree>
+      <p:nvGrpSpPr>
+        <p:cNvPr id="1" name=""/>
+        <p:cNvGrpSpPr/>
+        <p:nvPr/>
+      </p:nvGrpSpPr>
+      <p:grpSpPr>
+        <a:xfrm>
+          <a:off x="0" y="0"/>
+          <a:ext cx="0" cy="0"/>
+          <a:chOff x="0" y="0"/>
+          <a:chExt cx="0" cy="0"/>
+        </a:xfrm>
+      </p:grpSpPr>
+      <p:sp>
+        <p:nvSpPr>
+          <p:cNvPr id="2" name="Title 1"/>
+          <p:cNvSpPr>
+            <a:spLocks noGrp="1"/>
+          </p:cNvSpPr>
+          <p:nvPr>
+            <p:ph type="title"/>
+          </p:nvPr>
+        </p:nvSpPr>
+        <p:spPr/>
+        <p:txBody>
+          <a:bodyPr/>
+          <a:lstStyle/>
+          <a:p>
+            <a:r>
+              <a:rPr lang="en-US" dirty="0" smtClean="0"/>
+              <a:t>Next Steps</a:t>
+            </a:r>
+            <a:endParaRPr lang="en-US" dirty="0"/>
+          </a:p>
+        </p:txBody>
+      </p:sp>
+      <p:sp>
+        <p:nvSpPr>
+          <p:cNvPr id="3" name="Content Placeholder 2"/>
+          <p:cNvSpPr>
+            <a:spLocks noGrp="1"/>
+          </p:cNvSpPr>
+          <p:nvPr>
+            <p:ph idx="1"/>
+          </p:nvPr>
+        </p:nvSpPr>
+        <p:spPr/>
+        <p:txBody>
+          <a:bodyPr/>
+          <a:lstStyle/>
+          <a:p>
+            <a:r>
+              <a:rPr lang="en-US" dirty="0" smtClean="0"/>
+              <a:t>Coordinate broader proof reading effort</a:t>
+            </a:r>
+          </a:p>
+          <a:p>
+            <a:pPr lvl="1"/>
+            <a:r>
+              <a:rPr lang="en-US" dirty="0" smtClean="0"/>
+              <a:t>Perhaps an LBC “small group” </a:t>
+            </a:r>
+          </a:p>
+          <a:p>
+            <a:r>
+              <a:rPr lang="en-US" dirty="0" smtClean="0"/>
+              <a:t>Reach out to potential partners</a:t>
+            </a:r>
+          </a:p>
+          <a:p>
+            <a:pPr lvl="1"/>
+            <a:r>
+              <a:rPr lang="en-US" dirty="0" smtClean="0"/>
+              <a:t>SGCB</a:t>
+            </a:r>
+          </a:p>
+          <a:p>
+            <a:pPr lvl="1"/>
+            <a:r>
+              <a:rPr lang="en-US" dirty="0" smtClean="0"/>
+              <a:t>ARBCA Webmaster</a:t>
+            </a:r>
+          </a:p>
+          <a:p>
+            <a:pPr lvl="1"/>
+            <a:r>
+              <a:rPr lang="en-US" dirty="0" smtClean="0"/>
+              <a:t>Missionary Organizations</a:t>
+            </a:r>
+          </a:p>
+          <a:p>
+            <a:pPr lvl="1"/>
+            <a:r>
+              <a:rPr lang="en-US" dirty="0" err="1" smtClean="0"/>
+              <a:t>Faithlife</a:t>
+            </a:r>
+            <a:r>
+              <a:rPr lang="en-US" dirty="0" smtClean="0"/>
+              <a:t> (Logos Bible Software)</a:t>
+            </a:r>
+          </a:p>
+          <a:p>
+            <a:r>
+              <a:rPr lang="en-US" dirty="0" smtClean="0"/>
+              <a:t>Consider Donating Everything</a:t>
+            </a:r>
+          </a:p>
+          <a:p>
+            <a:pPr lvl="1"/>
+            <a:r>
+              <a:rPr lang="en-US" dirty="0" smtClean="0"/>
+              <a:t>To Promote ARBCA </a:t>
+            </a:r>
+            <a:endParaRPr lang="en-US" dirty="0"/>
+          </a:p>
+        </p:txBody>
+      </p:sp>
+    </p:spTree>
+    <p:extLst>
+      <p:ext uri="{BB962C8B-B14F-4D97-AF65-F5344CB8AC3E}">
+        <p14:creationId xmlns:p14="http://schemas.microsoft.com/office/powerpoint/2010/main" val="757689149"/>
+      </p:ext>
+    </p:extLst>
+  </p:cSld>
+  <p:clrMapOvr>
+    <a:masterClrMapping/>
+  </p:clrMapOvr>
+</p:sld>
+</file>
+
+<file path=ppt/slides/slide13.xml><?xml version="1.0" encoding="utf-8"?>
+<p:sld xmlns:a="http://schemas.openxmlformats.org/drawingml/2006/main" xmlns:r="http://schemas.openxmlformats.org/officeDocument/2006/relationships" xmlns:p="http://schemas.openxmlformats.org/presentationml/2006/main">
+  <p:cSld>
+    <p:spTree>
+      <p:nvGrpSpPr>
+        <p:cNvPr id="1" name=""/>
+        <p:cNvGrpSpPr/>
+        <p:nvPr/>
+      </p:nvGrpSpPr>
+      <p:grpSpPr>
+        <a:xfrm>
+          <a:off x="0" y="0"/>
+          <a:ext cx="0" cy="0"/>
+          <a:chOff x="0" y="0"/>
+          <a:chExt cx="0" cy="0"/>
+        </a:xfrm>
+      </p:grpSpPr>
+      <p:sp>
+        <p:nvSpPr>
+          <p:cNvPr id="2" name="Title 1"/>
+          <p:cNvSpPr>
+            <a:spLocks noGrp="1"/>
+          </p:cNvSpPr>
+          <p:nvPr>
+            <p:ph type="title"/>
+          </p:nvPr>
+        </p:nvSpPr>
+        <p:spPr/>
+        <p:txBody>
+          <a:bodyPr/>
+          <a:lstStyle/>
+          <a:p>
+            <a:r>
+              <a:rPr lang="en-US" dirty="0" smtClean="0"/>
               <a:t>Links</a:t>
             </a:r>
             <a:endParaRPr lang="en-US" dirty="0"/>
@@ -3299,7 +3615,11 @@
           <a:p>
             <a:r>
               <a:rPr lang="en-US" dirty="0" smtClean="0"/>
-              <a:t>Source Code Repository:</a:t>
+              <a:t>Public Source </a:t>
+            </a:r>
+            <a:r>
+              <a:rPr lang="en-US" dirty="0" smtClean="0"/>
+              <a:t>Code Repository:</a:t>
             </a:r>
           </a:p>
           <a:p>
@@ -3344,7 +3664,7 @@
 </p:sld>
 </file>
 
-<file path=ppt/slides/slide12.xml><?xml version="1.0" encoding="utf-8"?>
+<file path=ppt/slides/slide14.xml><?xml version="1.0" encoding="utf-8"?>
 <p:sld xmlns:a="http://schemas.openxmlformats.org/drawingml/2006/main" xmlns:r="http://schemas.openxmlformats.org/officeDocument/2006/relationships" xmlns:p="http://schemas.openxmlformats.org/presentationml/2006/main">
   <p:cSld>
     <p:spTree>
@@ -3468,24 +3788,20 @@
         </p:nvSpPr>
         <p:spPr/>
         <p:txBody>
-          <a:bodyPr/>
-          <a:lstStyle/>
-          <a:p>
-            <a:r>
-              <a:rPr lang="en-US" dirty="0" smtClean="0"/>
-              <a:t>Resulting Applications</a:t>
-            </a:r>
-          </a:p>
-          <a:p>
-            <a:r>
-              <a:rPr lang="en-US" dirty="0" smtClean="0"/>
-              <a:t>Bugs in the Existing Online Content</a:t>
-            </a:r>
-          </a:p>
-          <a:p>
-            <a:r>
-              <a:rPr lang="en-US" dirty="0" smtClean="0"/>
-              <a:t>Process Overview</a:t>
+          <a:bodyPr>
+            <a:normAutofit/>
+          </a:bodyPr>
+          <a:lstStyle/>
+          <a:p>
+            <a:r>
+              <a:rPr lang="en-US" dirty="0" smtClean="0"/>
+              <a:t>LBC Electronic Refactoring</a:t>
+            </a:r>
+          </a:p>
+          <a:p>
+            <a:r>
+              <a:rPr lang="en-US" dirty="0" smtClean="0"/>
+              <a:t>Web Hosting</a:t>
             </a:r>
           </a:p>
           <a:p>
@@ -3493,6 +3809,7 @@
               <a:rPr lang="en-US" dirty="0" smtClean="0"/>
               <a:t>Monetization</a:t>
             </a:r>
+            <a:endParaRPr lang="en-US" dirty="0" smtClean="0"/>
           </a:p>
           <a:p>
             <a:r>
@@ -3562,85 +3879,70 @@
           <a:p>
             <a:r>
               <a:rPr lang="en-US" dirty="0" smtClean="0"/>
+              <a:t>LBC Refactoring</a:t>
+            </a:r>
+            <a:endParaRPr lang="en-US" dirty="0"/>
+          </a:p>
+        </p:txBody>
+      </p:sp>
+      <p:sp>
+        <p:nvSpPr>
+          <p:cNvPr id="3" name="Content Placeholder 2"/>
+          <p:cNvSpPr>
+            <a:spLocks noGrp="1"/>
+          </p:cNvSpPr>
+          <p:nvPr>
+            <p:ph idx="1"/>
+          </p:nvPr>
+        </p:nvSpPr>
+        <p:spPr/>
+        <p:txBody>
+          <a:bodyPr>
+            <a:normAutofit/>
+          </a:bodyPr>
+          <a:lstStyle/>
+          <a:p>
+            <a:r>
+              <a:rPr lang="en-US" dirty="0" smtClean="0"/>
+              <a:t>LBC Electronic Refactoring</a:t>
+            </a:r>
+          </a:p>
+          <a:p>
+            <a:pPr lvl="1"/>
+            <a:r>
+              <a:rPr lang="en-US" dirty="0" smtClean="0"/>
+              <a:t>Resulting </a:t>
+            </a:r>
+            <a:r>
+              <a:rPr lang="en-US" dirty="0" smtClean="0"/>
               <a:t>Applications</a:t>
             </a:r>
-            <a:endParaRPr lang="en-US" dirty="0"/>
-          </a:p>
-        </p:txBody>
-      </p:sp>
-      <p:sp>
-        <p:nvSpPr>
-          <p:cNvPr id="3" name="Content Placeholder 2"/>
-          <p:cNvSpPr>
-            <a:spLocks noGrp="1"/>
-          </p:cNvSpPr>
-          <p:nvPr>
-            <p:ph idx="1"/>
-          </p:nvPr>
-        </p:nvSpPr>
-        <p:spPr/>
-        <p:txBody>
-          <a:bodyPr/>
-          <a:lstStyle/>
-          <a:p>
-            <a:r>
-              <a:rPr lang="en-US" dirty="0" smtClean="0"/>
-              <a:t>Reconciled Online Content (ARBCA Website)</a:t>
-            </a:r>
-          </a:p>
-          <a:p>
-            <a:r>
-              <a:rPr lang="en-US" dirty="0" smtClean="0"/>
-              <a:t>Book Format with Full Verse Content</a:t>
-            </a:r>
           </a:p>
           <a:p>
             <a:pPr lvl="1"/>
             <a:r>
               <a:rPr lang="en-US" dirty="0" smtClean="0"/>
-              <a:t>In any of 200+ Bible Version</a:t>
+              <a:t>Bugs in the Existing Online Content</a:t>
             </a:r>
           </a:p>
           <a:p>
             <a:pPr lvl="1"/>
             <a:r>
               <a:rPr lang="en-US" dirty="0" smtClean="0"/>
-              <a:t>40+ Languages</a:t>
-            </a:r>
-          </a:p>
-          <a:p>
-            <a:r>
-              <a:rPr lang="en-US" dirty="0" smtClean="0"/>
-              <a:t>Bible Software Modules</a:t>
-            </a:r>
-          </a:p>
-          <a:p>
-            <a:pPr lvl="1"/>
-            <a:r>
-              <a:rPr lang="en-US" dirty="0" smtClean="0"/>
-              <a:t>Logos Personal Books</a:t>
-            </a:r>
-          </a:p>
-          <a:p>
-            <a:pPr lvl="1"/>
-            <a:r>
-              <a:rPr lang="en-US" dirty="0" err="1" smtClean="0"/>
-              <a:t>BibleWorks</a:t>
-            </a:r>
-            <a:r>
-              <a:rPr lang="en-US" dirty="0" smtClean="0"/>
-              <a:t> Custom Module</a:t>
-            </a:r>
-          </a:p>
-          <a:p>
-            <a:endParaRPr lang="en-US" dirty="0"/>
+              <a:t>Process </a:t>
+            </a:r>
+            <a:r>
+              <a:rPr lang="en-US" dirty="0" smtClean="0"/>
+              <a:t>Overview</a:t>
+            </a:r>
+            <a:endParaRPr lang="en-US" dirty="0" smtClean="0"/>
           </a:p>
         </p:txBody>
       </p:sp>
     </p:spTree>
     <p:extLst>
       <p:ext uri="{BB962C8B-B14F-4D97-AF65-F5344CB8AC3E}">
-        <p14:creationId xmlns:p14="http://schemas.microsoft.com/office/powerpoint/2010/main" val="270868750"/>
+        <p14:creationId xmlns:p14="http://schemas.microsoft.com/office/powerpoint/2010/main" val="170463616"/>
       </p:ext>
     </p:extLst>
   </p:cSld>
@@ -3684,7 +3986,7 @@
           <a:p>
             <a:r>
               <a:rPr lang="en-US" dirty="0" smtClean="0"/>
-              <a:t>Online Context Bugs</a:t>
+              <a:t>Applications</a:t>
             </a:r>
             <a:endParaRPr lang="en-US" dirty="0"/>
           </a:p>
@@ -3707,55 +4009,62 @@
           <a:p>
             <a:r>
               <a:rPr lang="en-US" dirty="0" smtClean="0"/>
-              <a:t>Discrepancies in wording SGCB vs. Website</a:t>
+              <a:t>Reconciled Online Content (ARBCA Website)</a:t>
+            </a:r>
+          </a:p>
+          <a:p>
+            <a:r>
+              <a:rPr lang="en-US" dirty="0" smtClean="0"/>
+              <a:t>Book Format with Full Verse Content</a:t>
             </a:r>
           </a:p>
           <a:p>
             <a:pPr lvl="1"/>
             <a:r>
               <a:rPr lang="en-US" dirty="0" smtClean="0"/>
-              <a:t>E.g. term “co-working” Ch. 10, P. 2 missing online.</a:t>
-            </a:r>
-          </a:p>
-          <a:p>
-            <a:r>
-              <a:rPr lang="en-US" dirty="0" smtClean="0"/>
-              <a:t>Discrepancies in Verse References</a:t>
+              <a:t>In any of 200+ Bible Version</a:t>
             </a:r>
           </a:p>
           <a:p>
             <a:pPr lvl="1"/>
             <a:r>
               <a:rPr lang="en-US" dirty="0" smtClean="0"/>
-              <a:t>E.g. Ch. 29.</a:t>
-            </a:r>
-          </a:p>
-          <a:p>
-            <a:r>
-              <a:rPr lang="en-US" dirty="0" smtClean="0"/>
-              <a:t>Capitalization Discrepancies:</a:t>
+              <a:t>40+ Languages</a:t>
+            </a:r>
+          </a:p>
+          <a:p>
+            <a:r>
+              <a:rPr lang="en-US" dirty="0" smtClean="0"/>
+              <a:t>Bible Software Modules</a:t>
             </a:r>
           </a:p>
           <a:p>
             <a:pPr lvl="1"/>
             <a:r>
               <a:rPr lang="en-US" dirty="0" smtClean="0"/>
-              <a:t>Divine Pronouns: He, Him(self), His.</a:t>
+              <a:t>Logos Personal Books</a:t>
             </a:r>
           </a:p>
           <a:p>
             <a:pPr lvl="1"/>
             <a:r>
-              <a:rPr lang="en-US" dirty="0" smtClean="0"/>
-              <a:t>Sundry Terms: Word, Gospel, Special (grace), Table, Day, Judgment.</a:t>
-            </a:r>
+              <a:rPr lang="en-US" dirty="0" err="1" smtClean="0"/>
+              <a:t>BibleWorks</a:t>
+            </a:r>
+            <a:r>
+              <a:rPr lang="en-US" dirty="0" smtClean="0"/>
+              <a:t> Custom Module</a:t>
+            </a:r>
+          </a:p>
+          <a:p>
+            <a:endParaRPr lang="en-US" dirty="0"/>
           </a:p>
         </p:txBody>
       </p:sp>
     </p:spTree>
     <p:extLst>
       <p:ext uri="{BB962C8B-B14F-4D97-AF65-F5344CB8AC3E}">
-        <p14:creationId xmlns:p14="http://schemas.microsoft.com/office/powerpoint/2010/main" val="3060269855"/>
+        <p14:creationId xmlns:p14="http://schemas.microsoft.com/office/powerpoint/2010/main" val="270868750"/>
       </p:ext>
     </p:extLst>
   </p:cSld>
@@ -3799,7 +4108,7 @@
           <a:p>
             <a:r>
               <a:rPr lang="en-US" dirty="0" smtClean="0"/>
-              <a:t>Process Overview</a:t>
+              <a:t>Online Context Bugs</a:t>
             </a:r>
             <a:endParaRPr lang="en-US" dirty="0"/>
           </a:p>
@@ -3822,82 +4131,55 @@
           <a:p>
             <a:r>
               <a:rPr lang="en-US" dirty="0" smtClean="0"/>
-              <a:t>Annotated Text Templates</a:t>
-            </a:r>
-          </a:p>
-          <a:p>
-            <a:r>
-              <a:rPr lang="en-US" dirty="0" smtClean="0"/>
-              <a:t>Annotated Text to MSWord</a:t>
+              <a:t>Discrepancies in wording SGCB vs. Website</a:t>
             </a:r>
           </a:p>
           <a:p>
             <a:pPr lvl="1"/>
             <a:r>
-              <a:rPr lang="en-US" dirty="0" err="1" smtClean="0"/>
-              <a:t>Bookform</a:t>
-            </a:r>
-            <a:endParaRPr lang="en-US" dirty="0" smtClean="0"/>
+              <a:rPr lang="en-US" dirty="0" smtClean="0"/>
+              <a:t>E.g. term “co-working” Ch. 10, P. 2 missing online.</a:t>
+            </a:r>
+          </a:p>
+          <a:p>
+            <a:r>
+              <a:rPr lang="en-US" dirty="0" smtClean="0"/>
+              <a:t>Discrepancies in Verse References</a:t>
+            </a:r>
           </a:p>
           <a:p>
             <a:pPr lvl="1"/>
             <a:r>
               <a:rPr lang="en-US" dirty="0" smtClean="0"/>
-              <a:t>Logos PB</a:t>
-            </a:r>
-          </a:p>
-          <a:p>
-            <a:r>
-              <a:rPr lang="en-US" dirty="0" smtClean="0"/>
-              <a:t>Annotated Text to HTML Template</a:t>
+              <a:t>E.g. Ch. 29.</a:t>
+            </a:r>
+          </a:p>
+          <a:p>
+            <a:r>
+              <a:rPr lang="en-US" dirty="0" smtClean="0"/>
+              <a:t>Capitalization Discrepancies:</a:t>
             </a:r>
           </a:p>
           <a:p>
             <a:pPr lvl="1"/>
             <a:r>
               <a:rPr lang="en-US" dirty="0" smtClean="0"/>
-              <a:t>ARBCA Website</a:t>
-            </a:r>
-          </a:p>
-          <a:p>
-            <a:r>
-              <a:rPr lang="en-US" dirty="0" smtClean="0"/>
-              <a:t>Annotated Text to </a:t>
-            </a:r>
-            <a:r>
-              <a:rPr lang="en-US" dirty="0" err="1" smtClean="0"/>
-              <a:t>Bibleworks</a:t>
-            </a:r>
-            <a:r>
-              <a:rPr lang="en-US" dirty="0" smtClean="0"/>
-              <a:t> Module</a:t>
+              <a:t>Divine Pronouns: He, Him(self), His.</a:t>
             </a:r>
           </a:p>
           <a:p>
             <a:pPr lvl="1"/>
             <a:r>
               <a:rPr lang="en-US" dirty="0" smtClean="0"/>
-              <a:t>Custom Module for </a:t>
-            </a:r>
-            <a:r>
-              <a:rPr lang="en-US" dirty="0" err="1" smtClean="0"/>
-              <a:t>Bibleworks</a:t>
-            </a:r>
-            <a:r>
-              <a:rPr lang="en-US" dirty="0" smtClean="0"/>
-              <a:t> Bible Software</a:t>
-            </a:r>
-          </a:p>
-          <a:p>
-            <a:pPr lvl="1"/>
-            <a:endParaRPr lang="en-US" dirty="0"/>
+              <a:t>Sundry Terms: Word, Gospel, Special (grace), Table, Day, Judgment.</a:t>
+            </a:r>
           </a:p>
         </p:txBody>
       </p:sp>
     </p:spTree>
     <p:extLst>
       <p:ext uri="{BB962C8B-B14F-4D97-AF65-F5344CB8AC3E}">
-        <p14:creationId xmlns:p14="http://schemas.microsoft.com/office/powerpoint/2010/main" val="1353583813"/>
+        <p14:creationId xmlns:p14="http://schemas.microsoft.com/office/powerpoint/2010/main" val="3060269855"/>
       </p:ext>
     </p:extLst>
   </p:cSld>
@@ -3941,7 +4223,7 @@
           <a:p>
             <a:r>
               <a:rPr lang="en-US" dirty="0" smtClean="0"/>
-              <a:t>Tools (Part I)</a:t>
+              <a:t>Process Overview</a:t>
             </a:r>
             <a:endParaRPr lang="en-US" dirty="0"/>
           </a:p>
@@ -3959,106 +4241,87 @@
         </p:nvSpPr>
         <p:spPr/>
         <p:txBody>
-          <a:bodyPr>
-            <a:normAutofit fontScale="92500" lnSpcReduction="10000"/>
-          </a:bodyPr>
-          <a:lstStyle/>
-          <a:p>
-            <a:r>
-              <a:rPr lang="en-US" dirty="0" smtClean="0"/>
-              <a:t>BWToWord.py </a:t>
+          <a:bodyPr/>
+          <a:lstStyle/>
+          <a:p>
+            <a:r>
+              <a:rPr lang="en-US" dirty="0" smtClean="0"/>
+              <a:t>Annotated Text Templates</a:t>
+            </a:r>
+          </a:p>
+          <a:p>
+            <a:r>
+              <a:rPr lang="en-US" dirty="0" smtClean="0"/>
+              <a:t>Annotated Text to MSWord</a:t>
             </a:r>
           </a:p>
           <a:p>
             <a:pPr lvl="1"/>
             <a:r>
-              <a:rPr lang="en-US" dirty="0" smtClean="0"/>
-              <a:t>parses text, automates </a:t>
+              <a:rPr lang="en-US" dirty="0" err="1" smtClean="0"/>
+              <a:t>Bookform</a:t>
+            </a:r>
+            <a:endParaRPr lang="en-US" dirty="0" smtClean="0"/>
+          </a:p>
+          <a:p>
+            <a:pPr lvl="1"/>
+            <a:r>
+              <a:rPr lang="en-US" dirty="0" smtClean="0"/>
+              <a:t>Logos PB</a:t>
+            </a:r>
+          </a:p>
+          <a:p>
+            <a:r>
+              <a:rPr lang="en-US" dirty="0" smtClean="0"/>
+              <a:t>Annotated Text to HTML Template</a:t>
+            </a:r>
+          </a:p>
+          <a:p>
+            <a:pPr lvl="1"/>
+            <a:r>
+              <a:rPr lang="en-US" dirty="0" smtClean="0"/>
+              <a:t>ARBCA Website</a:t>
+            </a:r>
+          </a:p>
+          <a:p>
+            <a:r>
+              <a:rPr lang="en-US" dirty="0" smtClean="0"/>
+              <a:t>Annotated Text to </a:t>
             </a:r>
             <a:r>
               <a:rPr lang="en-US" dirty="0" err="1" smtClean="0"/>
               <a:t>Bibleworks</a:t>
             </a:r>
             <a:r>
-              <a:rPr lang="en-US" dirty="0"/>
-              <a:t> </a:t>
-            </a:r>
-            <a:r>
-              <a:rPr lang="en-US" dirty="0" smtClean="0"/>
-              <a:t>and Word</a:t>
-            </a:r>
-          </a:p>
-          <a:p>
-            <a:r>
-              <a:rPr lang="en-US" dirty="0" smtClean="0"/>
-              <a:t>Chaps.cmd </a:t>
+              <a:rPr lang="en-US" dirty="0" smtClean="0"/>
+              <a:t> Module</a:t>
             </a:r>
           </a:p>
           <a:p>
             <a:pPr lvl="1"/>
             <a:r>
               <a:rPr lang="en-US" dirty="0" smtClean="0"/>
-              <a:t>concatenates chapters into master text)</a:t>
-            </a:r>
-          </a:p>
-          <a:p>
-            <a:r>
-              <a:rPr lang="en-US" dirty="0" smtClean="0"/>
-              <a:t>Findcommas.py </a:t>
+              <a:t>Custom Module for </a:t>
+            </a:r>
+            <a:r>
+              <a:rPr lang="en-US" dirty="0" err="1" smtClean="0"/>
+              <a:t>Bibleworks</a:t>
+            </a:r>
+            <a:r>
+              <a:rPr lang="en-US" dirty="0" smtClean="0"/>
+              <a:t> Bible Software</a:t>
             </a:r>
           </a:p>
           <a:p>
             <a:pPr lvl="1"/>
-            <a:r>
-              <a:rPr lang="en-US" dirty="0" smtClean="0"/>
-              <a:t>tool for finding formatting errors</a:t>
-            </a:r>
-          </a:p>
-          <a:p>
-            <a:r>
-              <a:rPr lang="en-US" dirty="0" smtClean="0"/>
-              <a:t>Notepad++ </a:t>
-            </a:r>
-          </a:p>
-          <a:p>
-            <a:pPr lvl="1"/>
-            <a:r>
-              <a:rPr lang="en-US" dirty="0" smtClean="0"/>
-              <a:t>Find and replace regular expressions</a:t>
-            </a:r>
-          </a:p>
-          <a:p>
-            <a:r>
-              <a:rPr lang="en-US" dirty="0" smtClean="0"/>
-              <a:t>Visual Basic For Applications</a:t>
-            </a:r>
-          </a:p>
-          <a:p>
-            <a:pPr lvl="2"/>
-            <a:r>
-              <a:rPr lang="en-US" dirty="0" smtClean="0"/>
-              <a:t>MSWord Macros</a:t>
-            </a:r>
-          </a:p>
-          <a:p>
-            <a:pPr lvl="1"/>
-            <a:r>
-              <a:rPr lang="en-US" dirty="0" smtClean="0"/>
-              <a:t>Logos Personal Book Builder</a:t>
-            </a:r>
-          </a:p>
-          <a:p>
-            <a:pPr marL="137160" indent="0">
-              <a:buNone/>
-            </a:pPr>
-            <a:endParaRPr lang="en-US" dirty="0" smtClean="0"/>
+            <a:endParaRPr lang="en-US" dirty="0"/>
           </a:p>
         </p:txBody>
       </p:sp>
     </p:spTree>
     <p:extLst>
       <p:ext uri="{BB962C8B-B14F-4D97-AF65-F5344CB8AC3E}">
-        <p14:creationId xmlns:p14="http://schemas.microsoft.com/office/powerpoint/2010/main" val="3660241993"/>
+        <p14:creationId xmlns:p14="http://schemas.microsoft.com/office/powerpoint/2010/main" val="1353583813"/>
       </p:ext>
     </p:extLst>
   </p:cSld>
@@ -4102,7 +4365,7 @@
           <a:p>
             <a:r>
               <a:rPr lang="en-US" dirty="0" smtClean="0"/>
-              <a:t>Tools (Part II)</a:t>
+              <a:t>Tools (Part I)</a:t>
             </a:r>
             <a:endParaRPr lang="en-US" dirty="0"/>
           </a:p>
@@ -4121,106 +4384,105 @@
         <p:spPr/>
         <p:txBody>
           <a:bodyPr>
-            <a:normAutofit/>
+            <a:normAutofit fontScale="92500" lnSpcReduction="10000"/>
           </a:bodyPr>
           <a:lstStyle/>
           <a:p>
             <a:r>
               <a:rPr lang="en-US" dirty="0" smtClean="0"/>
-              <a:t>To_HTML.py</a:t>
+              <a:t>BWToWord.py </a:t>
             </a:r>
           </a:p>
           <a:p>
             <a:pPr lvl="1"/>
             <a:r>
               <a:rPr lang="en-US" dirty="0" smtClean="0"/>
-              <a:t>Converts annotated text to HTML</a:t>
-            </a:r>
-          </a:p>
-          <a:p>
-            <a:pPr lvl="1"/>
-            <a:r>
-              <a:rPr lang="en-US" dirty="0" smtClean="0"/>
-              <a:t>Inserts HTML into ARBCA LBC Webpages</a:t>
-            </a:r>
-          </a:p>
-          <a:p>
-            <a:r>
-              <a:rPr lang="en-US" dirty="0" smtClean="0"/>
-              <a:t>Make-bat.py (HTML-Templates)</a:t>
-            </a:r>
-          </a:p>
-          <a:p>
-            <a:pPr lvl="1"/>
-            <a:r>
-              <a:rPr lang="en-US" dirty="0" smtClean="0"/>
-              <a:t>Generates command file to process all the chapters</a:t>
-            </a:r>
-          </a:p>
-          <a:p>
-            <a:pPr lvl="1"/>
-            <a:r>
-              <a:rPr lang="en-US" dirty="0" smtClean="0"/>
-              <a:t>TOH.cmd; the result of previous step</a:t>
-            </a:r>
-          </a:p>
-          <a:p>
-            <a:r>
-              <a:rPr lang="en-US" dirty="0" smtClean="0"/>
-              <a:t>Make-bat.py (</a:t>
-            </a:r>
-            <a:r>
-              <a:rPr lang="en-US" dirty="0" err="1" smtClean="0"/>
-              <a:t>BWMod</a:t>
-            </a:r>
-            <a:r>
-              <a:rPr lang="en-US" dirty="0" smtClean="0"/>
-              <a:t>)</a:t>
-            </a:r>
-          </a:p>
-          <a:p>
-            <a:pPr lvl="1"/>
-            <a:r>
-              <a:rPr lang="en-US" dirty="0" smtClean="0"/>
-              <a:t>Converts annotated text to </a:t>
+              <a:t>parses text, automates </a:t>
             </a:r>
             <a:r>
               <a:rPr lang="en-US" dirty="0" err="1" smtClean="0"/>
               <a:t>Bibleworks</a:t>
             </a:r>
             <a:r>
-              <a:rPr lang="en-US" dirty="0" smtClean="0"/>
-              <a:t> format</a:t>
-            </a:r>
-          </a:p>
-          <a:p>
-            <a:r>
-              <a:rPr lang="en-US" dirty="0" smtClean="0"/>
-              <a:t>Make-TOC.py</a:t>
+              <a:rPr lang="en-US" dirty="0"/>
+              <a:t> </a:t>
+            </a:r>
+            <a:r>
+              <a:rPr lang="en-US" dirty="0" smtClean="0"/>
+              <a:t>and Word</a:t>
+            </a:r>
+          </a:p>
+          <a:p>
+            <a:r>
+              <a:rPr lang="en-US" dirty="0" smtClean="0"/>
+              <a:t>Chaps.cmd </a:t>
             </a:r>
           </a:p>
           <a:p>
             <a:pPr lvl="1"/>
             <a:r>
               <a:rPr lang="en-US" dirty="0" smtClean="0"/>
-              <a:t>Generates Table of Contents for </a:t>
-            </a:r>
-            <a:r>
-              <a:rPr lang="en-US" dirty="0" err="1" smtClean="0"/>
-              <a:t>Bibleworks</a:t>
-            </a:r>
-            <a:r>
-              <a:rPr lang="en-US" dirty="0" smtClean="0"/>
-              <a:t> Module</a:t>
-            </a:r>
-            <a:endParaRPr lang="en-US" dirty="0"/>
+              <a:t>concatenates chapters into master text)</a:t>
+            </a:r>
+          </a:p>
+          <a:p>
+            <a:r>
+              <a:rPr lang="en-US" dirty="0" smtClean="0"/>
+              <a:t>Findcommas.py </a:t>
+            </a:r>
+          </a:p>
+          <a:p>
+            <a:pPr lvl="1"/>
+            <a:r>
+              <a:rPr lang="en-US" dirty="0" smtClean="0"/>
+              <a:t>tool for finding formatting errors</a:t>
+            </a:r>
+          </a:p>
+          <a:p>
+            <a:r>
+              <a:rPr lang="en-US" dirty="0" smtClean="0"/>
+              <a:t>Notepad++ </a:t>
+            </a:r>
+          </a:p>
+          <a:p>
+            <a:pPr lvl="1"/>
+            <a:r>
+              <a:rPr lang="en-US" dirty="0" smtClean="0"/>
+              <a:t>Find and replace regular expressions</a:t>
+            </a:r>
+          </a:p>
+          <a:p>
+            <a:r>
+              <a:rPr lang="en-US" dirty="0" smtClean="0"/>
+              <a:t>Visual Basic For Applications</a:t>
+            </a:r>
+          </a:p>
+          <a:p>
+            <a:pPr lvl="2"/>
+            <a:r>
+              <a:rPr lang="en-US" dirty="0" smtClean="0"/>
+              <a:t>MSWord Macros</a:t>
+            </a:r>
+          </a:p>
+          <a:p>
+            <a:pPr lvl="1"/>
+            <a:r>
+              <a:rPr lang="en-US" dirty="0" smtClean="0"/>
+              <a:t>Logos Personal Book Builder</a:t>
+            </a:r>
+          </a:p>
+          <a:p>
+            <a:pPr marL="137160" indent="0">
+              <a:buNone/>
+            </a:pPr>
+            <a:endParaRPr lang="en-US" dirty="0" smtClean="0"/>
           </a:p>
         </p:txBody>
       </p:sp>
     </p:spTree>
     <p:extLst>
       <p:ext uri="{BB962C8B-B14F-4D97-AF65-F5344CB8AC3E}">
-        <p14:creationId xmlns:p14="http://schemas.microsoft.com/office/powerpoint/2010/main" val="743764166"/>
+        <p14:creationId xmlns:p14="http://schemas.microsoft.com/office/powerpoint/2010/main" val="3660241993"/>
       </p:ext>
     </p:extLst>
   </p:cSld>
@@ -4282,56 +4544,98 @@
         </p:nvSpPr>
         <p:spPr/>
         <p:txBody>
-          <a:bodyPr/>
-          <a:lstStyle/>
-          <a:p>
+          <a:bodyPr>
+            <a:normAutofit/>
+          </a:bodyPr>
+          <a:lstStyle/>
+          <a:p>
+            <a:r>
+              <a:rPr lang="en-US" dirty="0" smtClean="0"/>
+              <a:t>To_HTML.py</a:t>
+            </a:r>
+          </a:p>
+          <a:p>
+            <a:pPr lvl="1"/>
+            <a:r>
+              <a:rPr lang="en-US" dirty="0" smtClean="0"/>
+              <a:t>Converts annotated text to HTML</a:t>
+            </a:r>
+          </a:p>
+          <a:p>
+            <a:pPr lvl="1"/>
+            <a:r>
+              <a:rPr lang="en-US" dirty="0" smtClean="0"/>
+              <a:t>Inserts HTML into ARBCA LBC Webpages</a:t>
+            </a:r>
+          </a:p>
+          <a:p>
+            <a:r>
+              <a:rPr lang="en-US" dirty="0" smtClean="0"/>
+              <a:t>Make-bat.py (HTML-Templates)</a:t>
+            </a:r>
+          </a:p>
+          <a:p>
+            <a:pPr lvl="1"/>
+            <a:r>
+              <a:rPr lang="en-US" dirty="0" smtClean="0"/>
+              <a:t>Generates command file to process all the chapters</a:t>
+            </a:r>
+          </a:p>
+          <a:p>
+            <a:pPr lvl="1"/>
+            <a:r>
+              <a:rPr lang="en-US" dirty="0" smtClean="0"/>
+              <a:t>TOH.cmd; the result of previous step</a:t>
+            </a:r>
+          </a:p>
+          <a:p>
+            <a:r>
+              <a:rPr lang="en-US" dirty="0" smtClean="0"/>
+              <a:t>Make-bat.py (</a:t>
+            </a:r>
+            <a:r>
+              <a:rPr lang="en-US" dirty="0" err="1" smtClean="0"/>
+              <a:t>BWMod</a:t>
+            </a:r>
+            <a:r>
+              <a:rPr lang="en-US" dirty="0" smtClean="0"/>
+              <a:t>)</a:t>
+            </a:r>
+          </a:p>
+          <a:p>
+            <a:pPr lvl="1"/>
+            <a:r>
+              <a:rPr lang="en-US" dirty="0" smtClean="0"/>
+              <a:t>Converts annotated text to </a:t>
+            </a:r>
             <a:r>
               <a:rPr lang="en-US" dirty="0" err="1" smtClean="0"/>
               <a:t>Bibleworks</a:t>
             </a:r>
             <a:r>
               <a:rPr lang="en-US" dirty="0" smtClean="0"/>
-              <a:t> Custom Module Builder</a:t>
+              <a:t> format</a:t>
+            </a:r>
+          </a:p>
+          <a:p>
+            <a:r>
+              <a:rPr lang="en-US" dirty="0" smtClean="0"/>
+              <a:t>Make-TOC.py</a:t>
             </a:r>
           </a:p>
           <a:p>
             <a:pPr lvl="1"/>
             <a:r>
               <a:rPr lang="en-US" dirty="0" smtClean="0"/>
-              <a:t>Inserts Jscript Tags</a:t>
-            </a:r>
-          </a:p>
-          <a:p>
-            <a:pPr lvl="1"/>
-            <a:r>
-              <a:rPr lang="en-US" dirty="0" smtClean="0"/>
-              <a:t>Creates search index files</a:t>
-            </a:r>
-          </a:p>
-          <a:p>
-            <a:r>
-              <a:rPr lang="en-US" dirty="0" smtClean="0"/>
-              <a:t>MS HTML Help Workshop</a:t>
-            </a:r>
-          </a:p>
-          <a:p>
-            <a:pPr lvl="1"/>
-            <a:r>
-              <a:rPr lang="en-US" dirty="0" smtClean="0"/>
-              <a:t>Builds HTMP Help Module (.chm) </a:t>
-            </a:r>
-          </a:p>
-          <a:p>
-            <a:r>
-              <a:rPr lang="en-US" dirty="0" smtClean="0"/>
-              <a:t>Microsoft Visual Studio </a:t>
-            </a:r>
-          </a:p>
-          <a:p>
-            <a:pPr lvl="1"/>
-            <a:r>
-              <a:rPr lang="en-US" dirty="0" smtClean="0"/>
-              <a:t>Debugging Python Programs</a:t>
+              <a:t>Generates Table of Contents for </a:t>
+            </a:r>
+            <a:r>
+              <a:rPr lang="en-US" dirty="0" err="1" smtClean="0"/>
+              <a:t>Bibleworks</a:t>
+            </a:r>
+            <a:r>
+              <a:rPr lang="en-US" dirty="0" smtClean="0"/>
+              <a:t> Module</a:t>
             </a:r>
             <a:endParaRPr lang="en-US" dirty="0"/>
           </a:p>
@@ -4340,7 +4644,7 @@
     </p:spTree>
     <p:extLst>
       <p:ext uri="{BB962C8B-B14F-4D97-AF65-F5344CB8AC3E}">
-        <p14:creationId xmlns:p14="http://schemas.microsoft.com/office/powerpoint/2010/main" val="2667466481"/>
+        <p14:creationId xmlns:p14="http://schemas.microsoft.com/office/powerpoint/2010/main" val="743764166"/>
       </p:ext>
     </p:extLst>
   </p:cSld>
@@ -4384,7 +4688,7 @@
           <a:p>
             <a:r>
               <a:rPr lang="en-US" dirty="0" smtClean="0"/>
-              <a:t>Monetization</a:t>
+              <a:t>Tools (Part II)</a:t>
             </a:r>
             <a:endParaRPr lang="en-US" dirty="0"/>
           </a:p>
@@ -4404,19 +4708,6 @@
         <p:txBody>
           <a:bodyPr/>
           <a:lstStyle/>
-          <a:p>
-            <a:r>
-              <a:rPr lang="en-US" dirty="0" smtClean="0"/>
-              <a:t>Logos does not have a LBC</a:t>
-            </a:r>
-          </a:p>
-          <a:p>
-            <a:pPr lvl="1"/>
-            <a:r>
-              <a:rPr lang="en-US" dirty="0" smtClean="0"/>
-              <a:t>They purchase rights to publish contents one time</a:t>
-            </a:r>
-          </a:p>
           <a:p>
             <a:r>
               <a:rPr lang="en-US" dirty="0" err="1" smtClean="0"/>
@@ -4424,69 +4715,47 @@
             </a:r>
             <a:r>
               <a:rPr lang="en-US" dirty="0" smtClean="0"/>
-              <a:t> allows you to sell custom modules</a:t>
+              <a:t> Custom Module Builder</a:t>
             </a:r>
           </a:p>
           <a:p>
             <a:pPr lvl="1"/>
             <a:r>
               <a:rPr lang="en-US" dirty="0" smtClean="0"/>
-              <a:t>No </a:t>
-            </a:r>
-            <a:r>
-              <a:rPr lang="en-US" dirty="0" err="1" smtClean="0"/>
-              <a:t>licence</a:t>
-            </a:r>
-            <a:r>
-              <a:rPr lang="en-US" dirty="0" smtClean="0"/>
-              <a:t> required, could put on Solid Ground </a:t>
-            </a:r>
-            <a:r>
-              <a:rPr lang="en-US" dirty="0" err="1" smtClean="0"/>
-              <a:t>e.g</a:t>
-            </a:r>
-            <a:endParaRPr lang="en-US" dirty="0" smtClean="0"/>
+              <a:t>Inserts Jscript Tags</a:t>
+            </a:r>
           </a:p>
           <a:p>
             <a:pPr lvl="1"/>
             <a:r>
               <a:rPr lang="en-US" dirty="0" smtClean="0"/>
-              <a:t>Or could donate it to </a:t>
-            </a:r>
-            <a:r>
-              <a:rPr lang="en-US" dirty="0" err="1" smtClean="0"/>
-              <a:t>Bibleworks</a:t>
-            </a:r>
-            <a:r>
-              <a:rPr lang="en-US" dirty="0" smtClean="0"/>
-              <a:t> community</a:t>
-            </a:r>
-          </a:p>
-          <a:p>
-            <a:r>
-              <a:rPr lang="en-US" dirty="0" smtClean="0"/>
-              <a:t>Sell Full Verse Version of the LBC</a:t>
+              <a:t>Creates search index files</a:t>
+            </a:r>
+          </a:p>
+          <a:p>
+            <a:r>
+              <a:rPr lang="en-US" dirty="0" smtClean="0"/>
+              <a:t>MS HTML Help Workshop</a:t>
             </a:r>
           </a:p>
           <a:p>
             <a:pPr lvl="1"/>
             <a:r>
               <a:rPr lang="en-US" dirty="0" smtClean="0"/>
-              <a:t>Choice of KJV, ASV for English</a:t>
+              <a:t>Builds HTMP Help Module (.chm) </a:t>
+            </a:r>
+          </a:p>
+          <a:p>
+            <a:r>
+              <a:rPr lang="en-US" dirty="0" smtClean="0"/>
+              <a:t>Microsoft Visual Studio </a:t>
             </a:r>
           </a:p>
           <a:p>
             <a:pPr lvl="1"/>
             <a:r>
               <a:rPr lang="en-US" dirty="0" smtClean="0"/>
-              <a:t>Greek, Hebrew, Latin “Scholar’s Edition” pending copyright concerns</a:t>
-            </a:r>
-          </a:p>
-          <a:p>
-            <a:pPr lvl="1"/>
-            <a:r>
-              <a:rPr lang="en-US" dirty="0" smtClean="0"/>
-              <a:t>Contribute to localization efforts in foreign countries</a:t>
+              <a:t>Debugging Python Programs</a:t>
             </a:r>
             <a:endParaRPr lang="en-US" dirty="0"/>
           </a:p>
@@ -4495,7 +4764,7 @@
     </p:spTree>
     <p:extLst>
       <p:ext uri="{BB962C8B-B14F-4D97-AF65-F5344CB8AC3E}">
-        <p14:creationId xmlns:p14="http://schemas.microsoft.com/office/powerpoint/2010/main" val="902848757"/>
+        <p14:creationId xmlns:p14="http://schemas.microsoft.com/office/powerpoint/2010/main" val="2667466481"/>
       </p:ext>
     </p:extLst>
   </p:cSld>
